--- a/KaiB/Nukes_Streamlit_Layout_Concept_01.pptx
+++ b/KaiB/Nukes_Streamlit_Layout_Concept_01.pptx
@@ -107,6 +107,11 @@
       </a:defRPr>
     </a:lvl9pPr>
   </p:defaultTextStyle>
+  <p:extLst>
+    <p:ext uri="{EFAFB233-063F-42B5-8137-9DF3F51BA10A}">
+      <p15:sldGuideLst xmlns:p15="http://schemas.microsoft.com/office/powerpoint/2012/main"/>
+    </p:ext>
+  </p:extLst>
 </p:presentation>
 </file>
 
@@ -253,7 +258,7 @@
           <a:p>
             <a:fld id="{C635C23B-2AC2-446B-B4DD-B9AEB5F20B1C}" type="datetimeFigureOut">
               <a:rPr lang="de-DE" smtClean="0"/>
-              <a:t>30.11.2022</a:t>
+              <a:t>01.12.2022</a:t>
             </a:fld>
             <a:endParaRPr lang="de-DE"/>
           </a:p>
@@ -423,7 +428,7 @@
           <a:p>
             <a:fld id="{C635C23B-2AC2-446B-B4DD-B9AEB5F20B1C}" type="datetimeFigureOut">
               <a:rPr lang="de-DE" smtClean="0"/>
-              <a:t>30.11.2022</a:t>
+              <a:t>01.12.2022</a:t>
             </a:fld>
             <a:endParaRPr lang="de-DE"/>
           </a:p>
@@ -603,7 +608,7 @@
           <a:p>
             <a:fld id="{C635C23B-2AC2-446B-B4DD-B9AEB5F20B1C}" type="datetimeFigureOut">
               <a:rPr lang="de-DE" smtClean="0"/>
-              <a:t>30.11.2022</a:t>
+              <a:t>01.12.2022</a:t>
             </a:fld>
             <a:endParaRPr lang="de-DE"/>
           </a:p>
@@ -773,7 +778,7 @@
           <a:p>
             <a:fld id="{C635C23B-2AC2-446B-B4DD-B9AEB5F20B1C}" type="datetimeFigureOut">
               <a:rPr lang="de-DE" smtClean="0"/>
-              <a:t>30.11.2022</a:t>
+              <a:t>01.12.2022</a:t>
             </a:fld>
             <a:endParaRPr lang="de-DE"/>
           </a:p>
@@ -1017,7 +1022,7 @@
           <a:p>
             <a:fld id="{C635C23B-2AC2-446B-B4DD-B9AEB5F20B1C}" type="datetimeFigureOut">
               <a:rPr lang="de-DE" smtClean="0"/>
-              <a:t>30.11.2022</a:t>
+              <a:t>01.12.2022</a:t>
             </a:fld>
             <a:endParaRPr lang="de-DE"/>
           </a:p>
@@ -1249,7 +1254,7 @@
           <a:p>
             <a:fld id="{C635C23B-2AC2-446B-B4DD-B9AEB5F20B1C}" type="datetimeFigureOut">
               <a:rPr lang="de-DE" smtClean="0"/>
-              <a:t>30.11.2022</a:t>
+              <a:t>01.12.2022</a:t>
             </a:fld>
             <a:endParaRPr lang="de-DE"/>
           </a:p>
@@ -1616,7 +1621,7 @@
           <a:p>
             <a:fld id="{C635C23B-2AC2-446B-B4DD-B9AEB5F20B1C}" type="datetimeFigureOut">
               <a:rPr lang="de-DE" smtClean="0"/>
-              <a:t>30.11.2022</a:t>
+              <a:t>01.12.2022</a:t>
             </a:fld>
             <a:endParaRPr lang="de-DE"/>
           </a:p>
@@ -1734,7 +1739,7 @@
           <a:p>
             <a:fld id="{C635C23B-2AC2-446B-B4DD-B9AEB5F20B1C}" type="datetimeFigureOut">
               <a:rPr lang="de-DE" smtClean="0"/>
-              <a:t>30.11.2022</a:t>
+              <a:t>01.12.2022</a:t>
             </a:fld>
             <a:endParaRPr lang="de-DE"/>
           </a:p>
@@ -1829,7 +1834,7 @@
           <a:p>
             <a:fld id="{C635C23B-2AC2-446B-B4DD-B9AEB5F20B1C}" type="datetimeFigureOut">
               <a:rPr lang="de-DE" smtClean="0"/>
-              <a:t>30.11.2022</a:t>
+              <a:t>01.12.2022</a:t>
             </a:fld>
             <a:endParaRPr lang="de-DE"/>
           </a:p>
@@ -2106,7 +2111,7 @@
           <a:p>
             <a:fld id="{C635C23B-2AC2-446B-B4DD-B9AEB5F20B1C}" type="datetimeFigureOut">
               <a:rPr lang="de-DE" smtClean="0"/>
-              <a:t>30.11.2022</a:t>
+              <a:t>01.12.2022</a:t>
             </a:fld>
             <a:endParaRPr lang="de-DE"/>
           </a:p>
@@ -2363,7 +2368,7 @@
           <a:p>
             <a:fld id="{C635C23B-2AC2-446B-B4DD-B9AEB5F20B1C}" type="datetimeFigureOut">
               <a:rPr lang="de-DE" smtClean="0"/>
-              <a:t>30.11.2022</a:t>
+              <a:t>01.12.2022</a:t>
             </a:fld>
             <a:endParaRPr lang="de-DE"/>
           </a:p>
@@ -2579,7 +2584,7 @@
           <a:p>
             <a:fld id="{C635C23B-2AC2-446B-B4DD-B9AEB5F20B1C}" type="datetimeFigureOut">
               <a:rPr lang="de-DE" smtClean="0"/>
-              <a:t>30.11.2022</a:t>
+              <a:t>01.12.2022</a:t>
             </a:fld>
             <a:endParaRPr lang="de-DE"/>
           </a:p>
@@ -4368,8 +4373,8 @@
         </p:nvSpPr>
         <p:spPr>
           <a:xfrm>
-            <a:off x="7343073" y="3779808"/>
-            <a:ext cx="1869507" cy="4247317"/>
+            <a:off x="6771874" y="3017767"/>
+            <a:ext cx="2763520" cy="3693319"/>
           </a:xfrm>
           <a:prstGeom prst="rect">
             <a:avLst/>
